--- a/slides/neuralsequence5.pptx
+++ b/slides/neuralsequence5.pptx
@@ -6460,11 +6460,7 @@
             </a:r>
             <a:r>
               <a:rPr lang="zh-CN" altLang="en-US" dirty="0" smtClean="0"/>
-              <a:t> </a:t>
-            </a:r>
-            <a:r>
-              <a:rPr lang="zh-CN" altLang="en-US" dirty="0" smtClean="0"/>
-              <a:t>代码实现</a:t>
+              <a:t> 代码实现</a:t>
             </a:r>
             <a:endParaRPr lang="en-US" dirty="0"/>
           </a:p>
@@ -6649,8 +6645,8 @@
           </a:prstGeom>
         </p:spPr>
       </p:pic>
-      <mc:AlternateContent xmlns:mc="http://schemas.openxmlformats.org/markup-compatibility/2006">
-        <mc:Choice xmlns:a14="http://schemas.microsoft.com/office/drawing/2010/main" Requires="a14">
+      <mc:AlternateContent xmlns:mc="http://schemas.openxmlformats.org/markup-compatibility/2006" xmlns:a14="http://schemas.microsoft.com/office/drawing/2010/main">
+        <mc:Choice Requires="a14">
           <p:sp>
             <p:nvSpPr>
               <p:cNvPr id="16" name="TextBox 15"/>
@@ -6857,7 +6853,7 @@
             </p:txBody>
           </p:sp>
         </mc:Choice>
-        <mc:Fallback>
+        <mc:Fallback xmlns="">
           <p:sp>
             <p:nvSpPr>
               <p:cNvPr id="16" name="TextBox 15"/>
@@ -11146,8 +11142,8 @@
           </a:p>
         </p:txBody>
       </p:sp>
-      <mc:AlternateContent xmlns:mc="http://schemas.openxmlformats.org/markup-compatibility/2006">
-        <mc:Choice xmlns:a14="http://schemas.microsoft.com/office/drawing/2010/main" Requires="a14">
+      <mc:AlternateContent xmlns:mc="http://schemas.openxmlformats.org/markup-compatibility/2006" xmlns:a14="http://schemas.microsoft.com/office/drawing/2010/main">
+        <mc:Choice Requires="a14">
           <p:sp>
             <p:nvSpPr>
               <p:cNvPr id="7" name="Content Placeholder 6"/>
@@ -11232,7 +11228,7 @@
             </p:txBody>
           </p:sp>
         </mc:Choice>
-        <mc:Fallback>
+        <mc:Fallback xmlns="">
           <p:sp>
             <p:nvSpPr>
               <p:cNvPr id="7" name="Content Placeholder 6"/>
@@ -12430,11 +12426,7 @@
             </a:r>
             <a:r>
               <a:rPr lang="en-US" altLang="zh-CN" dirty="0" smtClean="0"/>
-              <a:t>S</a:t>
-            </a:r>
-            <a:r>
-              <a:rPr lang="en-US" altLang="zh-CN" dirty="0" smtClean="0"/>
-              <a:t>earch</a:t>
+              <a:t>Search</a:t>
             </a:r>
             <a:r>
               <a:rPr lang="zh-CN" altLang="en-US" dirty="0" smtClean="0"/>
@@ -12464,7 +12456,6 @@
               <a:rPr lang="en-US" altLang="zh-CN" dirty="0" smtClean="0"/>
               <a:t>2)</a:t>
             </a:r>
-            <a:endParaRPr lang="en-US" altLang="zh-CN" dirty="0" smtClean="0"/>
           </a:p>
         </p:txBody>
       </p:sp>
@@ -13805,11 +13796,7 @@
             </a:r>
             <a:r>
               <a:rPr lang="en-US" altLang="zh-CN" dirty="0" smtClean="0"/>
-              <a:t>S</a:t>
-            </a:r>
-            <a:r>
-              <a:rPr lang="en-US" altLang="zh-CN" dirty="0" smtClean="0"/>
-              <a:t>earch</a:t>
+              <a:t>Search</a:t>
             </a:r>
             <a:r>
               <a:rPr lang="zh-CN" altLang="en-US" dirty="0" smtClean="0"/>
@@ -13839,7 +13826,6 @@
               <a:rPr lang="en-US" altLang="zh-CN" dirty="0" smtClean="0"/>
               <a:t>2)</a:t>
             </a:r>
-            <a:endParaRPr lang="en-US" altLang="zh-CN" dirty="0" smtClean="0"/>
           </a:p>
         </p:txBody>
       </p:sp>
@@ -15502,11 +15488,7 @@
             </a:r>
             <a:r>
               <a:rPr lang="en-US" altLang="zh-CN" dirty="0" smtClean="0"/>
-              <a:t>S</a:t>
-            </a:r>
-            <a:r>
-              <a:rPr lang="en-US" altLang="zh-CN" dirty="0" smtClean="0"/>
-              <a:t>earch</a:t>
+              <a:t>Search</a:t>
             </a:r>
             <a:r>
               <a:rPr lang="zh-CN" altLang="en-US" dirty="0" smtClean="0"/>
@@ -15536,7 +15518,6 @@
               <a:rPr lang="en-US" altLang="zh-CN" dirty="0" smtClean="0"/>
               <a:t>2)</a:t>
             </a:r>
-            <a:endParaRPr lang="en-US" altLang="zh-CN" dirty="0" smtClean="0"/>
           </a:p>
         </p:txBody>
       </p:sp>
@@ -17188,11 +17169,7 @@
             </a:r>
             <a:r>
               <a:rPr lang="en-US" altLang="zh-CN" dirty="0" smtClean="0"/>
-              <a:t>_</a:t>
-            </a:r>
-            <a:r>
-              <a:rPr lang="en-US" altLang="zh-CN" dirty="0" smtClean="0"/>
-              <a:t>GO</a:t>
+              <a:t>_GO</a:t>
             </a:r>
           </a:p>
           <a:p>
@@ -17238,8 +17215,8 @@
           </a:p>
         </p:txBody>
       </p:sp>
-      <mc:AlternateContent xmlns:mc="http://schemas.openxmlformats.org/markup-compatibility/2006">
-        <mc:Choice xmlns:a14="http://schemas.microsoft.com/office/drawing/2010/main" Requires="a14">
+      <mc:AlternateContent xmlns:mc="http://schemas.openxmlformats.org/markup-compatibility/2006" xmlns:a14="http://schemas.microsoft.com/office/drawing/2010/main">
+        <mc:Choice Requires="a14">
           <p:sp>
             <p:nvSpPr>
               <p:cNvPr id="11" name="TextBox 10"/>
@@ -17349,7 +17326,7 @@
             </p:txBody>
           </p:sp>
         </mc:Choice>
-        <mc:Fallback>
+        <mc:Fallback xmlns="">
           <p:sp>
             <p:nvSpPr>
               <p:cNvPr id="11" name="TextBox 10"/>
@@ -17388,8 +17365,8 @@
           </p:sp>
         </mc:Fallback>
       </mc:AlternateContent>
-      <mc:AlternateContent xmlns:mc="http://schemas.openxmlformats.org/markup-compatibility/2006">
-        <mc:Choice xmlns:a14="http://schemas.microsoft.com/office/drawing/2010/main" Requires="a14">
+      <mc:AlternateContent xmlns:mc="http://schemas.openxmlformats.org/markup-compatibility/2006" xmlns:a14="http://schemas.microsoft.com/office/drawing/2010/main">
+        <mc:Choice Requires="a14">
           <p:sp>
             <p:nvSpPr>
               <p:cNvPr id="12" name="TextBox 11"/>
@@ -17499,7 +17476,7 @@
             </p:txBody>
           </p:sp>
         </mc:Choice>
-        <mc:Fallback>
+        <mc:Fallback xmlns="">
           <p:sp>
             <p:nvSpPr>
               <p:cNvPr id="12" name="TextBox 11"/>
@@ -17685,8 +17662,8 @@
           </a:p>
         </p:txBody>
       </p:sp>
-      <mc:AlternateContent xmlns:mc="http://schemas.openxmlformats.org/markup-compatibility/2006">
-        <mc:Choice xmlns:a14="http://schemas.microsoft.com/office/drawing/2010/main" Requires="a14">
+      <mc:AlternateContent xmlns:mc="http://schemas.openxmlformats.org/markup-compatibility/2006" xmlns:a14="http://schemas.microsoft.com/office/drawing/2010/main">
+        <mc:Choice Requires="a14">
           <p:sp>
             <p:nvSpPr>
               <p:cNvPr id="5" name="TextBox 4"/>
@@ -17709,6 +17686,7 @@
               </a:bodyPr>
               <a:lstStyle/>
               <a:p>
+                <a:pPr/>
                 <a14:m>
                   <m:oMathPara xmlns:m="http://schemas.openxmlformats.org/officeDocument/2006/math">
                     <m:oMathParaPr>
@@ -17771,7 +17749,7 @@
             </p:txBody>
           </p:sp>
         </mc:Choice>
-        <mc:Fallback>
+        <mc:Fallback xmlns="">
           <p:sp>
             <p:nvSpPr>
               <p:cNvPr id="5" name="TextBox 4"/>
@@ -17848,8 +17826,8 @@
           </a:p>
         </p:txBody>
       </p:sp>
-      <mc:AlternateContent xmlns:mc="http://schemas.openxmlformats.org/markup-compatibility/2006">
-        <mc:Choice xmlns:a14="http://schemas.microsoft.com/office/drawing/2010/main" Requires="a14">
+      <mc:AlternateContent xmlns:mc="http://schemas.openxmlformats.org/markup-compatibility/2006" xmlns:a14="http://schemas.microsoft.com/office/drawing/2010/main">
+        <mc:Choice Requires="a14">
           <p:sp>
             <p:nvSpPr>
               <p:cNvPr id="17" name="TextBox 16"/>
@@ -17872,6 +17850,7 @@
               </a:bodyPr>
               <a:lstStyle/>
               <a:p>
+                <a:pPr/>
                 <a14:m>
                   <m:oMathPara xmlns:m="http://schemas.openxmlformats.org/officeDocument/2006/math">
                     <m:oMathParaPr>
@@ -17934,7 +17913,7 @@
             </p:txBody>
           </p:sp>
         </mc:Choice>
-        <mc:Fallback>
+        <mc:Fallback xmlns="">
           <p:sp>
             <p:nvSpPr>
               <p:cNvPr id="17" name="TextBox 16"/>
@@ -18557,8 +18536,8 @@
           </a:p>
         </p:txBody>
       </p:sp>
-      <mc:AlternateContent xmlns:mc="http://schemas.openxmlformats.org/markup-compatibility/2006">
-        <mc:Choice xmlns:a14="http://schemas.microsoft.com/office/drawing/2010/main" Requires="a14">
+      <mc:AlternateContent xmlns:mc="http://schemas.openxmlformats.org/markup-compatibility/2006" xmlns:a14="http://schemas.microsoft.com/office/drawing/2010/main">
+        <mc:Choice Requires="a14">
           <p:sp>
             <p:nvSpPr>
               <p:cNvPr id="11" name="TextBox 10"/>
@@ -18668,7 +18647,7 @@
             </p:txBody>
           </p:sp>
         </mc:Choice>
-        <mc:Fallback>
+        <mc:Fallback xmlns="">
           <p:sp>
             <p:nvSpPr>
               <p:cNvPr id="11" name="TextBox 10"/>
@@ -18707,8 +18686,8 @@
           </p:sp>
         </mc:Fallback>
       </mc:AlternateContent>
-      <mc:AlternateContent xmlns:mc="http://schemas.openxmlformats.org/markup-compatibility/2006">
-        <mc:Choice xmlns:a14="http://schemas.microsoft.com/office/drawing/2010/main" Requires="a14">
+      <mc:AlternateContent xmlns:mc="http://schemas.openxmlformats.org/markup-compatibility/2006" xmlns:a14="http://schemas.microsoft.com/office/drawing/2010/main">
+        <mc:Choice Requires="a14">
           <p:sp>
             <p:nvSpPr>
               <p:cNvPr id="12" name="TextBox 11"/>
@@ -18818,7 +18797,7 @@
             </p:txBody>
           </p:sp>
         </mc:Choice>
-        <mc:Fallback>
+        <mc:Fallback xmlns="">
           <p:sp>
             <p:nvSpPr>
               <p:cNvPr id="12" name="TextBox 11"/>
@@ -19004,8 +18983,8 @@
           </a:p>
         </p:txBody>
       </p:sp>
-      <mc:AlternateContent xmlns:mc="http://schemas.openxmlformats.org/markup-compatibility/2006">
-        <mc:Choice xmlns:a14="http://schemas.microsoft.com/office/drawing/2010/main" Requires="a14">
+      <mc:AlternateContent xmlns:mc="http://schemas.openxmlformats.org/markup-compatibility/2006" xmlns:a14="http://schemas.microsoft.com/office/drawing/2010/main">
+        <mc:Choice Requires="a14">
           <p:sp>
             <p:nvSpPr>
               <p:cNvPr id="5" name="TextBox 4"/>
@@ -19028,6 +19007,7 @@
               </a:bodyPr>
               <a:lstStyle/>
               <a:p>
+                <a:pPr/>
                 <a14:m>
                   <m:oMathPara xmlns:m="http://schemas.openxmlformats.org/officeDocument/2006/math">
                     <m:oMathParaPr>
@@ -19090,7 +19070,7 @@
             </p:txBody>
           </p:sp>
         </mc:Choice>
-        <mc:Fallback>
+        <mc:Fallback xmlns="">
           <p:sp>
             <p:nvSpPr>
               <p:cNvPr id="5" name="TextBox 4"/>
@@ -19129,8 +19109,8 @@
           </p:sp>
         </mc:Fallback>
       </mc:AlternateContent>
-      <mc:AlternateContent xmlns:mc="http://schemas.openxmlformats.org/markup-compatibility/2006">
-        <mc:Choice xmlns:a14="http://schemas.microsoft.com/office/drawing/2010/main" Requires="a14">
+      <mc:AlternateContent xmlns:mc="http://schemas.openxmlformats.org/markup-compatibility/2006" xmlns:a14="http://schemas.microsoft.com/office/drawing/2010/main">
+        <mc:Choice Requires="a14">
           <p:sp>
             <p:nvSpPr>
               <p:cNvPr id="17" name="TextBox 16"/>
@@ -19153,6 +19133,7 @@
               </a:bodyPr>
               <a:lstStyle/>
               <a:p>
+                <a:pPr/>
                 <a14:m>
                   <m:oMathPara xmlns:m="http://schemas.openxmlformats.org/officeDocument/2006/math">
                     <m:oMathParaPr>
@@ -19215,7 +19196,7 @@
             </p:txBody>
           </p:sp>
         </mc:Choice>
-        <mc:Fallback>
+        <mc:Fallback xmlns="">
           <p:sp>
             <p:nvSpPr>
               <p:cNvPr id="17" name="TextBox 16"/>
@@ -19812,7 +19793,6 @@
               <a:rPr lang="en-US" altLang="zh-CN" dirty="0" smtClean="0"/>
               <a:t>a</a:t>
             </a:r>
-            <a:endParaRPr lang="en-US" altLang="zh-CN" dirty="0" smtClean="0"/>
           </a:p>
           <a:p>
             <a:r>
@@ -19857,8 +19837,8 @@
           </a:p>
         </p:txBody>
       </p:sp>
-      <mc:AlternateContent xmlns:mc="http://schemas.openxmlformats.org/markup-compatibility/2006">
-        <mc:Choice xmlns:a14="http://schemas.microsoft.com/office/drawing/2010/main" Requires="a14">
+      <mc:AlternateContent xmlns:mc="http://schemas.openxmlformats.org/markup-compatibility/2006" xmlns:a14="http://schemas.microsoft.com/office/drawing/2010/main">
+        <mc:Choice Requires="a14">
           <p:sp>
             <p:nvSpPr>
               <p:cNvPr id="11" name="TextBox 10"/>
@@ -19968,7 +19948,7 @@
             </p:txBody>
           </p:sp>
         </mc:Choice>
-        <mc:Fallback>
+        <mc:Fallback xmlns="">
           <p:sp>
             <p:nvSpPr>
               <p:cNvPr id="11" name="TextBox 10"/>
@@ -20007,8 +19987,8 @@
           </p:sp>
         </mc:Fallback>
       </mc:AlternateContent>
-      <mc:AlternateContent xmlns:mc="http://schemas.openxmlformats.org/markup-compatibility/2006">
-        <mc:Choice xmlns:a14="http://schemas.microsoft.com/office/drawing/2010/main" Requires="a14">
+      <mc:AlternateContent xmlns:mc="http://schemas.openxmlformats.org/markup-compatibility/2006" xmlns:a14="http://schemas.microsoft.com/office/drawing/2010/main">
+        <mc:Choice Requires="a14">
           <p:sp>
             <p:nvSpPr>
               <p:cNvPr id="12" name="TextBox 11"/>
@@ -20118,7 +20098,7 @@
             </p:txBody>
           </p:sp>
         </mc:Choice>
-        <mc:Fallback>
+        <mc:Fallback xmlns="">
           <p:sp>
             <p:nvSpPr>
               <p:cNvPr id="12" name="TextBox 11"/>
@@ -20300,8 +20280,8 @@
           </a:p>
         </p:txBody>
       </p:sp>
-      <mc:AlternateContent xmlns:mc="http://schemas.openxmlformats.org/markup-compatibility/2006">
-        <mc:Choice xmlns:a14="http://schemas.microsoft.com/office/drawing/2010/main" Requires="a14">
+      <mc:AlternateContent xmlns:mc="http://schemas.openxmlformats.org/markup-compatibility/2006" xmlns:a14="http://schemas.microsoft.com/office/drawing/2010/main">
+        <mc:Choice Requires="a14">
           <p:sp>
             <p:nvSpPr>
               <p:cNvPr id="5" name="TextBox 4"/>
@@ -20324,6 +20304,7 @@
               </a:bodyPr>
               <a:lstStyle/>
               <a:p>
+                <a:pPr/>
                 <a14:m>
                   <m:oMathPara xmlns:m="http://schemas.openxmlformats.org/officeDocument/2006/math">
                     <m:oMathParaPr>
@@ -20386,7 +20367,7 @@
             </p:txBody>
           </p:sp>
         </mc:Choice>
-        <mc:Fallback>
+        <mc:Fallback xmlns="">
           <p:sp>
             <p:nvSpPr>
               <p:cNvPr id="5" name="TextBox 4"/>
@@ -20425,8 +20406,8 @@
           </p:sp>
         </mc:Fallback>
       </mc:AlternateContent>
-      <mc:AlternateContent xmlns:mc="http://schemas.openxmlformats.org/markup-compatibility/2006">
-        <mc:Choice xmlns:a14="http://schemas.microsoft.com/office/drawing/2010/main" Requires="a14">
+      <mc:AlternateContent xmlns:mc="http://schemas.openxmlformats.org/markup-compatibility/2006" xmlns:a14="http://schemas.microsoft.com/office/drawing/2010/main">
+        <mc:Choice Requires="a14">
           <p:sp>
             <p:nvSpPr>
               <p:cNvPr id="17" name="TextBox 16"/>
@@ -20449,6 +20430,7 @@
               </a:bodyPr>
               <a:lstStyle/>
               <a:p>
+                <a:pPr/>
                 <a14:m>
                   <m:oMathPara xmlns:m="http://schemas.openxmlformats.org/officeDocument/2006/math">
                     <m:oMathParaPr>
@@ -20511,7 +20493,7 @@
             </p:txBody>
           </p:sp>
         </mc:Choice>
-        <mc:Fallback>
+        <mc:Fallback xmlns="">
           <p:sp>
             <p:nvSpPr>
               <p:cNvPr id="17" name="TextBox 16"/>
@@ -20992,7 +20974,6 @@
               <a:rPr lang="en-US" altLang="zh-CN" dirty="0" smtClean="0"/>
               <a:t>a</a:t>
             </a:r>
-            <a:endParaRPr lang="en-US" altLang="zh-CN" dirty="0" smtClean="0"/>
           </a:p>
           <a:p>
             <a:r>
@@ -21037,8 +21018,8 @@
           </a:p>
         </p:txBody>
       </p:sp>
-      <mc:AlternateContent xmlns:mc="http://schemas.openxmlformats.org/markup-compatibility/2006">
-        <mc:Choice xmlns:a14="http://schemas.microsoft.com/office/drawing/2010/main" Requires="a14">
+      <mc:AlternateContent xmlns:mc="http://schemas.openxmlformats.org/markup-compatibility/2006" xmlns:a14="http://schemas.microsoft.com/office/drawing/2010/main">
+        <mc:Choice Requires="a14">
           <p:sp>
             <p:nvSpPr>
               <p:cNvPr id="11" name="TextBox 10"/>
@@ -21148,7 +21129,7 @@
             </p:txBody>
           </p:sp>
         </mc:Choice>
-        <mc:Fallback>
+        <mc:Fallback xmlns="">
           <p:sp>
             <p:nvSpPr>
               <p:cNvPr id="11" name="TextBox 10"/>
@@ -21187,8 +21168,8 @@
           </p:sp>
         </mc:Fallback>
       </mc:AlternateContent>
-      <mc:AlternateContent xmlns:mc="http://schemas.openxmlformats.org/markup-compatibility/2006">
-        <mc:Choice xmlns:a14="http://schemas.microsoft.com/office/drawing/2010/main" Requires="a14">
+      <mc:AlternateContent xmlns:mc="http://schemas.openxmlformats.org/markup-compatibility/2006" xmlns:a14="http://schemas.microsoft.com/office/drawing/2010/main">
+        <mc:Choice Requires="a14">
           <p:sp>
             <p:nvSpPr>
               <p:cNvPr id="12" name="TextBox 11"/>
@@ -21298,7 +21279,7 @@
             </p:txBody>
           </p:sp>
         </mc:Choice>
-        <mc:Fallback>
+        <mc:Fallback xmlns="">
           <p:sp>
             <p:nvSpPr>
               <p:cNvPr id="12" name="TextBox 11"/>
@@ -21480,8 +21461,8 @@
           </a:p>
         </p:txBody>
       </p:sp>
-      <mc:AlternateContent xmlns:mc="http://schemas.openxmlformats.org/markup-compatibility/2006">
-        <mc:Choice xmlns:a14="http://schemas.microsoft.com/office/drawing/2010/main" Requires="a14">
+      <mc:AlternateContent xmlns:mc="http://schemas.openxmlformats.org/markup-compatibility/2006" xmlns:a14="http://schemas.microsoft.com/office/drawing/2010/main">
+        <mc:Choice Requires="a14">
           <p:sp>
             <p:nvSpPr>
               <p:cNvPr id="5" name="TextBox 4"/>
@@ -21504,6 +21485,7 @@
               </a:bodyPr>
               <a:lstStyle/>
               <a:p>
+                <a:pPr/>
                 <a14:m>
                   <m:oMathPara xmlns:m="http://schemas.openxmlformats.org/officeDocument/2006/math">
                     <m:oMathParaPr>
@@ -21566,7 +21548,7 @@
             </p:txBody>
           </p:sp>
         </mc:Choice>
-        <mc:Fallback>
+        <mc:Fallback xmlns="">
           <p:sp>
             <p:nvSpPr>
               <p:cNvPr id="5" name="TextBox 4"/>
@@ -21605,8 +21587,8 @@
           </p:sp>
         </mc:Fallback>
       </mc:AlternateContent>
-      <mc:AlternateContent xmlns:mc="http://schemas.openxmlformats.org/markup-compatibility/2006">
-        <mc:Choice xmlns:a14="http://schemas.microsoft.com/office/drawing/2010/main" Requires="a14">
+      <mc:AlternateContent xmlns:mc="http://schemas.openxmlformats.org/markup-compatibility/2006" xmlns:a14="http://schemas.microsoft.com/office/drawing/2010/main">
+        <mc:Choice Requires="a14">
           <p:sp>
             <p:nvSpPr>
               <p:cNvPr id="17" name="TextBox 16"/>
@@ -21629,6 +21611,7 @@
               </a:bodyPr>
               <a:lstStyle/>
               <a:p>
+                <a:pPr/>
                 <a14:m>
                   <m:oMathPara xmlns:m="http://schemas.openxmlformats.org/officeDocument/2006/math">
                     <m:oMathParaPr>
@@ -21691,7 +21674,7 @@
             </p:txBody>
           </p:sp>
         </mc:Choice>
-        <mc:Fallback>
+        <mc:Fallback xmlns="">
           <p:sp>
             <p:nvSpPr>
               <p:cNvPr id="17" name="TextBox 16"/>
@@ -21919,11 +21902,7 @@
             </a:r>
             <a:r>
               <a:rPr lang="zh-CN" altLang="en-US" dirty="0" smtClean="0"/>
-              <a:t> </a:t>
-            </a:r>
-            <a:r>
-              <a:rPr lang="zh-CN" altLang="en-US" dirty="0" smtClean="0"/>
-              <a:t>代码实现</a:t>
+              <a:t> 代码实现</a:t>
             </a:r>
             <a:endParaRPr lang="en-US" dirty="0"/>
           </a:p>
@@ -22176,7 +22155,6 @@
               <a:rPr lang="en-US" altLang="zh-CN" dirty="0" smtClean="0"/>
               <a:t>a</a:t>
             </a:r>
-            <a:endParaRPr lang="en-US" altLang="zh-CN" dirty="0" smtClean="0"/>
           </a:p>
           <a:p>
             <a:r>
@@ -22221,8 +22199,8 @@
           </a:p>
         </p:txBody>
       </p:sp>
-      <mc:AlternateContent xmlns:mc="http://schemas.openxmlformats.org/markup-compatibility/2006">
-        <mc:Choice xmlns:a14="http://schemas.microsoft.com/office/drawing/2010/main" Requires="a14">
+      <mc:AlternateContent xmlns:mc="http://schemas.openxmlformats.org/markup-compatibility/2006" xmlns:a14="http://schemas.microsoft.com/office/drawing/2010/main">
+        <mc:Choice Requires="a14">
           <p:sp>
             <p:nvSpPr>
               <p:cNvPr id="11" name="TextBox 10"/>
@@ -22332,7 +22310,7 @@
             </p:txBody>
           </p:sp>
         </mc:Choice>
-        <mc:Fallback>
+        <mc:Fallback xmlns="">
           <p:sp>
             <p:nvSpPr>
               <p:cNvPr id="11" name="TextBox 10"/>
@@ -22371,8 +22349,8 @@
           </p:sp>
         </mc:Fallback>
       </mc:AlternateContent>
-      <mc:AlternateContent xmlns:mc="http://schemas.openxmlformats.org/markup-compatibility/2006">
-        <mc:Choice xmlns:a14="http://schemas.microsoft.com/office/drawing/2010/main" Requires="a14">
+      <mc:AlternateContent xmlns:mc="http://schemas.openxmlformats.org/markup-compatibility/2006" xmlns:a14="http://schemas.microsoft.com/office/drawing/2010/main">
+        <mc:Choice Requires="a14">
           <p:sp>
             <p:nvSpPr>
               <p:cNvPr id="12" name="TextBox 11"/>
@@ -22482,7 +22460,7 @@
             </p:txBody>
           </p:sp>
         </mc:Choice>
-        <mc:Fallback>
+        <mc:Fallback xmlns="">
           <p:sp>
             <p:nvSpPr>
               <p:cNvPr id="12" name="TextBox 11"/>
@@ -23364,11 +23342,7 @@
             </a:r>
             <a:r>
               <a:rPr lang="zh-CN" altLang="en-US" dirty="0" smtClean="0"/>
-              <a:t> </a:t>
-            </a:r>
-            <a:r>
-              <a:rPr lang="zh-CN" altLang="en-US" dirty="0" smtClean="0"/>
-              <a:t>代码实现</a:t>
+              <a:t> 代码实现</a:t>
             </a:r>
             <a:endParaRPr lang="en-US" dirty="0"/>
           </a:p>
@@ -23562,8 +23536,8 @@
           </a:p>
         </p:txBody>
       </p:sp>
-      <mc:AlternateContent xmlns:mc="http://schemas.openxmlformats.org/markup-compatibility/2006">
-        <mc:Choice xmlns:a14="http://schemas.microsoft.com/office/drawing/2010/main" Requires="a14">
+      <mc:AlternateContent xmlns:mc="http://schemas.openxmlformats.org/markup-compatibility/2006" xmlns:a14="http://schemas.microsoft.com/office/drawing/2010/main">
+        <mc:Choice Requires="a14">
           <p:sp>
             <p:nvSpPr>
               <p:cNvPr id="11" name="TextBox 10"/>
@@ -23673,7 +23647,7 @@
             </p:txBody>
           </p:sp>
         </mc:Choice>
-        <mc:Fallback>
+        <mc:Fallback xmlns="">
           <p:sp>
             <p:nvSpPr>
               <p:cNvPr id="11" name="TextBox 10"/>
@@ -23712,8 +23686,8 @@
           </p:sp>
         </mc:Fallback>
       </mc:AlternateContent>
-      <mc:AlternateContent xmlns:mc="http://schemas.openxmlformats.org/markup-compatibility/2006">
-        <mc:Choice xmlns:a14="http://schemas.microsoft.com/office/drawing/2010/main" Requires="a14">
+      <mc:AlternateContent xmlns:mc="http://schemas.openxmlformats.org/markup-compatibility/2006" xmlns:a14="http://schemas.microsoft.com/office/drawing/2010/main">
+        <mc:Choice Requires="a14">
           <p:sp>
             <p:nvSpPr>
               <p:cNvPr id="12" name="TextBox 11"/>
@@ -23823,7 +23797,7 @@
             </p:txBody>
           </p:sp>
         </mc:Choice>
-        <mc:Fallback>
+        <mc:Fallback xmlns="">
           <p:sp>
             <p:nvSpPr>
               <p:cNvPr id="12" name="TextBox 11"/>
@@ -24281,11 +24255,7 @@
             </a:r>
             <a:r>
               <a:rPr lang="zh-CN" altLang="en-US" dirty="0" smtClean="0"/>
-              <a:t> </a:t>
-            </a:r>
-            <a:r>
-              <a:rPr lang="zh-CN" altLang="en-US" dirty="0" smtClean="0"/>
-              <a:t>代码实现</a:t>
+              <a:t> 代码实现</a:t>
             </a:r>
             <a:endParaRPr lang="en-US" dirty="0"/>
           </a:p>
@@ -24538,7 +24508,6 @@
               <a:rPr lang="en-US" altLang="zh-CN" dirty="0" smtClean="0"/>
               <a:t>a</a:t>
             </a:r>
-            <a:endParaRPr lang="en-US" altLang="zh-CN" dirty="0" smtClean="0"/>
           </a:p>
           <a:p>
             <a:r>
@@ -25133,11 +25102,7 @@
             </a:r>
             <a:r>
               <a:rPr lang="zh-CN" altLang="en-US" dirty="0" smtClean="0"/>
-              <a:t> </a:t>
-            </a:r>
-            <a:r>
-              <a:rPr lang="zh-CN" altLang="en-US" dirty="0" smtClean="0"/>
-              <a:t>代码实现</a:t>
+              <a:t> 代码实现</a:t>
             </a:r>
             <a:endParaRPr lang="en-US" dirty="0"/>
           </a:p>
@@ -25749,11 +25714,7 @@
             </a:r>
             <a:r>
               <a:rPr lang="zh-CN" altLang="en-US" dirty="0" smtClean="0"/>
-              <a:t> </a:t>
-            </a:r>
-            <a:r>
-              <a:rPr lang="zh-CN" altLang="en-US" dirty="0" smtClean="0"/>
-              <a:t>代码实现</a:t>
+              <a:t> 代码实现</a:t>
             </a:r>
             <a:endParaRPr lang="en-US" dirty="0"/>
           </a:p>
@@ -26006,7 +25967,6 @@
               <a:rPr lang="en-US" altLang="zh-CN" dirty="0" smtClean="0"/>
               <a:t>a</a:t>
             </a:r>
-            <a:endParaRPr lang="en-US" altLang="zh-CN" dirty="0" smtClean="0"/>
           </a:p>
           <a:p>
             <a:r>
@@ -26051,8 +26011,8 @@
           </a:p>
         </p:txBody>
       </p:sp>
-      <mc:AlternateContent xmlns:mc="http://schemas.openxmlformats.org/markup-compatibility/2006">
-        <mc:Choice xmlns:a14="http://schemas.microsoft.com/office/drawing/2010/main" Requires="a14">
+      <mc:AlternateContent xmlns:mc="http://schemas.openxmlformats.org/markup-compatibility/2006" xmlns:a14="http://schemas.microsoft.com/office/drawing/2010/main">
+        <mc:Choice Requires="a14">
           <p:sp>
             <p:nvSpPr>
               <p:cNvPr id="11" name="TextBox 10"/>
@@ -26162,7 +26122,7 @@
             </p:txBody>
           </p:sp>
         </mc:Choice>
-        <mc:Fallback>
+        <mc:Fallback xmlns="">
           <p:sp>
             <p:nvSpPr>
               <p:cNvPr id="11" name="TextBox 10"/>
@@ -26201,8 +26161,8 @@
           </p:sp>
         </mc:Fallback>
       </mc:AlternateContent>
-      <mc:AlternateContent xmlns:mc="http://schemas.openxmlformats.org/markup-compatibility/2006">
-        <mc:Choice xmlns:a14="http://schemas.microsoft.com/office/drawing/2010/main" Requires="a14">
+      <mc:AlternateContent xmlns:mc="http://schemas.openxmlformats.org/markup-compatibility/2006" xmlns:a14="http://schemas.microsoft.com/office/drawing/2010/main">
+        <mc:Choice Requires="a14">
           <p:sp>
             <p:nvSpPr>
               <p:cNvPr id="12" name="TextBox 11"/>
@@ -26312,7 +26272,7 @@
             </p:txBody>
           </p:sp>
         </mc:Choice>
-        <mc:Fallback>
+        <mc:Fallback xmlns="">
           <p:sp>
             <p:nvSpPr>
               <p:cNvPr id="12" name="TextBox 11"/>
@@ -27186,11 +27146,7 @@
             </a:r>
             <a:r>
               <a:rPr lang="zh-CN" altLang="en-US" dirty="0" smtClean="0"/>
-              <a:t> </a:t>
-            </a:r>
-            <a:r>
-              <a:rPr lang="zh-CN" altLang="en-US" dirty="0" smtClean="0"/>
-              <a:t>实现细节</a:t>
+              <a:t> 实现细节</a:t>
             </a:r>
             <a:endParaRPr lang="en-US" altLang="zh-CN" dirty="0" smtClean="0"/>
           </a:p>
@@ -27292,11 +27248,7 @@
             </a:r>
             <a:r>
               <a:rPr lang="zh-CN" altLang="en-US" dirty="0" smtClean="0"/>
-              <a:t> </a:t>
-            </a:r>
-            <a:r>
-              <a:rPr lang="zh-CN" altLang="en-US" dirty="0" smtClean="0"/>
-              <a:t>代码实现</a:t>
+              <a:t> 代码实现</a:t>
             </a:r>
             <a:endParaRPr lang="en-US" dirty="0"/>
           </a:p>
@@ -27549,7 +27501,6 @@
               <a:rPr lang="en-US" altLang="zh-CN" dirty="0" smtClean="0"/>
               <a:t>a</a:t>
             </a:r>
-            <a:endParaRPr lang="en-US" altLang="zh-CN" dirty="0" smtClean="0"/>
           </a:p>
           <a:p>
             <a:r>
